--- a/docs/socketEventPhotoInfo.pptx
+++ b/docs/socketEventPhotoInfo.pptx
@@ -108,6 +108,11 @@
       </a:defRPr>
     </a:lvl9pPr>
   </p:defaultTextStyle>
+  <p:extLst>
+    <p:ext uri="{EFAFB233-063F-42B5-8137-9DF3F51BA10A}">
+      <p15:sldGuideLst xmlns:p15="http://schemas.microsoft.com/office/powerpoint/2012/main"/>
+    </p:ext>
+  </p:extLst>
 </p:presentation>
 </file>
 
@@ -242,7 +247,7 @@
           <a:p>
             <a:fld id="{DFF10F89-438C-4432-AF54-37D353B0FC76}" type="datetimeFigureOut">
               <a:rPr lang="ko-KR" altLang="en-US" smtClean="0"/>
-              <a:t>2018-05-07</a:t>
+              <a:t>2018-05-09</a:t>
             </a:fld>
             <a:endParaRPr lang="ko-KR" altLang="en-US"/>
           </a:p>
@@ -412,7 +417,7 @@
           <a:p>
             <a:fld id="{DFF10F89-438C-4432-AF54-37D353B0FC76}" type="datetimeFigureOut">
               <a:rPr lang="ko-KR" altLang="en-US" smtClean="0"/>
-              <a:t>2018-05-07</a:t>
+              <a:t>2018-05-09</a:t>
             </a:fld>
             <a:endParaRPr lang="ko-KR" altLang="en-US"/>
           </a:p>
@@ -592,7 +597,7 @@
           <a:p>
             <a:fld id="{DFF10F89-438C-4432-AF54-37D353B0FC76}" type="datetimeFigureOut">
               <a:rPr lang="ko-KR" altLang="en-US" smtClean="0"/>
-              <a:t>2018-05-07</a:t>
+              <a:t>2018-05-09</a:t>
             </a:fld>
             <a:endParaRPr lang="ko-KR" altLang="en-US"/>
           </a:p>
@@ -762,7 +767,7 @@
           <a:p>
             <a:fld id="{DFF10F89-438C-4432-AF54-37D353B0FC76}" type="datetimeFigureOut">
               <a:rPr lang="ko-KR" altLang="en-US" smtClean="0"/>
-              <a:t>2018-05-07</a:t>
+              <a:t>2018-05-09</a:t>
             </a:fld>
             <a:endParaRPr lang="ko-KR" altLang="en-US"/>
           </a:p>
@@ -1008,7 +1013,7 @@
           <a:p>
             <a:fld id="{DFF10F89-438C-4432-AF54-37D353B0FC76}" type="datetimeFigureOut">
               <a:rPr lang="ko-KR" altLang="en-US" smtClean="0"/>
-              <a:t>2018-05-07</a:t>
+              <a:t>2018-05-09</a:t>
             </a:fld>
             <a:endParaRPr lang="ko-KR" altLang="en-US"/>
           </a:p>
@@ -1240,7 +1245,7 @@
           <a:p>
             <a:fld id="{DFF10F89-438C-4432-AF54-37D353B0FC76}" type="datetimeFigureOut">
               <a:rPr lang="ko-KR" altLang="en-US" smtClean="0"/>
-              <a:t>2018-05-07</a:t>
+              <a:t>2018-05-09</a:t>
             </a:fld>
             <a:endParaRPr lang="ko-KR" altLang="en-US"/>
           </a:p>
@@ -1607,7 +1612,7 @@
           <a:p>
             <a:fld id="{DFF10F89-438C-4432-AF54-37D353B0FC76}" type="datetimeFigureOut">
               <a:rPr lang="ko-KR" altLang="en-US" smtClean="0"/>
-              <a:t>2018-05-07</a:t>
+              <a:t>2018-05-09</a:t>
             </a:fld>
             <a:endParaRPr lang="ko-KR" altLang="en-US"/>
           </a:p>
@@ -1725,7 +1730,7 @@
           <a:p>
             <a:fld id="{DFF10F89-438C-4432-AF54-37D353B0FC76}" type="datetimeFigureOut">
               <a:rPr lang="ko-KR" altLang="en-US" smtClean="0"/>
-              <a:t>2018-05-07</a:t>
+              <a:t>2018-05-09</a:t>
             </a:fld>
             <a:endParaRPr lang="ko-KR" altLang="en-US"/>
           </a:p>
@@ -1820,7 +1825,7 @@
           <a:p>
             <a:fld id="{DFF10F89-438C-4432-AF54-37D353B0FC76}" type="datetimeFigureOut">
               <a:rPr lang="ko-KR" altLang="en-US" smtClean="0"/>
-              <a:t>2018-05-07</a:t>
+              <a:t>2018-05-09</a:t>
             </a:fld>
             <a:endParaRPr lang="ko-KR" altLang="en-US"/>
           </a:p>
@@ -2097,7 +2102,7 @@
           <a:p>
             <a:fld id="{DFF10F89-438C-4432-AF54-37D353B0FC76}" type="datetimeFigureOut">
               <a:rPr lang="ko-KR" altLang="en-US" smtClean="0"/>
-              <a:t>2018-05-07</a:t>
+              <a:t>2018-05-09</a:t>
             </a:fld>
             <a:endParaRPr lang="ko-KR" altLang="en-US"/>
           </a:p>
@@ -2350,7 +2355,7 @@
           <a:p>
             <a:fld id="{DFF10F89-438C-4432-AF54-37D353B0FC76}" type="datetimeFigureOut">
               <a:rPr lang="ko-KR" altLang="en-US" smtClean="0"/>
-              <a:t>2018-05-07</a:t>
+              <a:t>2018-05-09</a:t>
             </a:fld>
             <a:endParaRPr lang="ko-KR" altLang="en-US"/>
           </a:p>
@@ -2563,7 +2568,7 @@
           <a:p>
             <a:fld id="{DFF10F89-438C-4432-AF54-37D353B0FC76}" type="datetimeFigureOut">
               <a:rPr lang="ko-KR" altLang="en-US" smtClean="0"/>
-              <a:t>2018-05-07</a:t>
+              <a:t>2018-05-09</a:t>
             </a:fld>
             <a:endParaRPr lang="ko-KR" altLang="en-US"/>
           </a:p>
@@ -5618,7 +5623,7 @@
         </p:nvSpPr>
         <p:spPr>
           <a:xfrm>
-            <a:off x="4427771" y="5537814"/>
+            <a:off x="4219295" y="5563450"/>
             <a:ext cx="1301062" cy="369332"/>
           </a:xfrm>
           <a:prstGeom prst="rect">
@@ -5673,6 +5678,40 @@
             <a:r>
               <a:rPr lang="en-US" altLang="ko-KR" b="1" dirty="0" err="1" smtClean="0"/>
               <a:t>setOver</a:t>
+            </a:r>
+            <a:endParaRPr lang="ko-KR" altLang="en-US" b="1" dirty="0"/>
+          </a:p>
+        </p:txBody>
+      </p:sp>
+      <p:sp>
+        <p:nvSpPr>
+          <p:cNvPr id="32" name="TextBox 31"/>
+          <p:cNvSpPr txBox="1"/>
+          <p:nvPr/>
+        </p:nvSpPr>
+        <p:spPr>
+          <a:xfrm>
+            <a:off x="6699289" y="4858126"/>
+            <a:ext cx="1445909" cy="369332"/>
+          </a:xfrm>
+          <a:prstGeom prst="rect">
+            <a:avLst/>
+          </a:prstGeom>
+          <a:noFill/>
+        </p:spPr>
+        <p:txBody>
+          <a:bodyPr wrap="none" rtlCol="0">
+            <a:spAutoFit/>
+          </a:bodyPr>
+          <a:lstStyle/>
+          <a:p>
+            <a:r>
+              <a:rPr lang="en-US" altLang="ko-KR" b="1" dirty="0" smtClean="0"/>
+              <a:t>6. </a:t>
+            </a:r>
+            <a:r>
+              <a:rPr lang="en-US" altLang="ko-KR" b="1" dirty="0" err="1" smtClean="0"/>
+              <a:t>turnStart</a:t>
             </a:r>
             <a:endParaRPr lang="ko-KR" altLang="en-US" b="1" dirty="0"/>
           </a:p>
